--- a/Vídeo/Slide Lays/Slide Lays.pptx
+++ b/Vídeo/Slide Lays/Slide Lays.pptx
@@ -7,13 +7,15 @@
   <p:sldIdLst>
     <p:sldId id="256" r:id="rId2"/>
     <p:sldId id="257" r:id="rId3"/>
-    <p:sldId id="264" r:id="rId4"/>
-    <p:sldId id="259" r:id="rId5"/>
-    <p:sldId id="260" r:id="rId6"/>
-    <p:sldId id="261" r:id="rId7"/>
-    <p:sldId id="262" r:id="rId8"/>
-    <p:sldId id="263" r:id="rId9"/>
-    <p:sldId id="258" r:id="rId10"/>
+    <p:sldId id="265" r:id="rId4"/>
+    <p:sldId id="266" r:id="rId5"/>
+    <p:sldId id="259" r:id="rId6"/>
+    <p:sldId id="260" r:id="rId7"/>
+    <p:sldId id="261" r:id="rId8"/>
+    <p:sldId id="262" r:id="rId9"/>
+    <p:sldId id="263" r:id="rId10"/>
+    <p:sldId id="258" r:id="rId11"/>
+    <p:sldId id="267" r:id="rId12"/>
   </p:sldIdLst>
   <p:sldSz cx="9144000" cy="6858000" type="screen4x3"/>
   <p:notesSz cx="6858000" cy="9144000"/>
@@ -153,7 +155,7 @@
           <p:cNvPr id="2" name="Título 1">
             <a:extLst>
               <a:ext uri="{FF2B5EF4-FFF2-40B4-BE49-F238E27FC236}">
-                <a16:creationId xmlns="" xmlns:a16="http://schemas.microsoft.com/office/drawing/2014/main" id="{A194DAA5-1152-4330-83A4-18198CE40885}"/>
+                <a16:creationId xmlns:a16="http://schemas.microsoft.com/office/drawing/2014/main" xmlns="" id="{A194DAA5-1152-4330-83A4-18198CE40885}"/>
               </a:ext>
             </a:extLst>
           </p:cNvPr>
@@ -190,7 +192,7 @@
           <p:cNvPr id="3" name="Subtítulo 2">
             <a:extLst>
               <a:ext uri="{FF2B5EF4-FFF2-40B4-BE49-F238E27FC236}">
-                <a16:creationId xmlns="" xmlns:a16="http://schemas.microsoft.com/office/drawing/2014/main" id="{6C4118C8-AF7B-4EC0-B4FA-D0E1F243B509}"/>
+                <a16:creationId xmlns:a16="http://schemas.microsoft.com/office/drawing/2014/main" xmlns="" id="{6C4118C8-AF7B-4EC0-B4FA-D0E1F243B509}"/>
               </a:ext>
             </a:extLst>
           </p:cNvPr>
@@ -260,7 +262,7 @@
           <p:cNvPr id="4" name="Espaço Reservado para Data 3">
             <a:extLst>
               <a:ext uri="{FF2B5EF4-FFF2-40B4-BE49-F238E27FC236}">
-                <a16:creationId xmlns="" xmlns:a16="http://schemas.microsoft.com/office/drawing/2014/main" id="{1C14EE25-E1C5-4D3A-9EBB-7C7913155DF7}"/>
+                <a16:creationId xmlns:a16="http://schemas.microsoft.com/office/drawing/2014/main" xmlns="" id="{1C14EE25-E1C5-4D3A-9EBB-7C7913155DF7}"/>
               </a:ext>
             </a:extLst>
           </p:cNvPr>
@@ -289,7 +291,7 @@
           <p:cNvPr id="5" name="Espaço Reservado para Rodapé 4">
             <a:extLst>
               <a:ext uri="{FF2B5EF4-FFF2-40B4-BE49-F238E27FC236}">
-                <a16:creationId xmlns="" xmlns:a16="http://schemas.microsoft.com/office/drawing/2014/main" id="{B1DE2EDF-F126-4E22-9989-516D61164FF9}"/>
+                <a16:creationId xmlns:a16="http://schemas.microsoft.com/office/drawing/2014/main" xmlns="" id="{B1DE2EDF-F126-4E22-9989-516D61164FF9}"/>
               </a:ext>
             </a:extLst>
           </p:cNvPr>
@@ -314,7 +316,7 @@
           <p:cNvPr id="6" name="Espaço Reservado para Número de Slide 5">
             <a:extLst>
               <a:ext uri="{FF2B5EF4-FFF2-40B4-BE49-F238E27FC236}">
-                <a16:creationId xmlns="" xmlns:a16="http://schemas.microsoft.com/office/drawing/2014/main" id="{DFB318E5-0D58-474C-87BD-09867C002DBA}"/>
+                <a16:creationId xmlns:a16="http://schemas.microsoft.com/office/drawing/2014/main" xmlns="" id="{DFB318E5-0D58-474C-87BD-09867C002DBA}"/>
               </a:ext>
             </a:extLst>
           </p:cNvPr>
@@ -373,7 +375,7 @@
           <p:cNvPr id="2" name="Título 1">
             <a:extLst>
               <a:ext uri="{FF2B5EF4-FFF2-40B4-BE49-F238E27FC236}">
-                <a16:creationId xmlns="" xmlns:a16="http://schemas.microsoft.com/office/drawing/2014/main" id="{1B1E89DD-2113-4245-9A6F-21C5326F4655}"/>
+                <a16:creationId xmlns:a16="http://schemas.microsoft.com/office/drawing/2014/main" xmlns="" id="{1B1E89DD-2113-4245-9A6F-21C5326F4655}"/>
               </a:ext>
             </a:extLst>
           </p:cNvPr>
@@ -401,7 +403,7 @@
           <p:cNvPr id="3" name="Espaço Reservado para Texto Vertical 2">
             <a:extLst>
               <a:ext uri="{FF2B5EF4-FFF2-40B4-BE49-F238E27FC236}">
-                <a16:creationId xmlns="" xmlns:a16="http://schemas.microsoft.com/office/drawing/2014/main" id="{EEB0BE21-E6ED-404B-B5EC-D4165638B20B}"/>
+                <a16:creationId xmlns:a16="http://schemas.microsoft.com/office/drawing/2014/main" xmlns="" id="{EEB0BE21-E6ED-404B-B5EC-D4165638B20B}"/>
               </a:ext>
             </a:extLst>
           </p:cNvPr>
@@ -458,7 +460,7 @@
           <p:cNvPr id="4" name="Espaço Reservado para Data 3">
             <a:extLst>
               <a:ext uri="{FF2B5EF4-FFF2-40B4-BE49-F238E27FC236}">
-                <a16:creationId xmlns="" xmlns:a16="http://schemas.microsoft.com/office/drawing/2014/main" id="{3FF3A1E6-2742-498A-8175-9D0651703337}"/>
+                <a16:creationId xmlns:a16="http://schemas.microsoft.com/office/drawing/2014/main" xmlns="" id="{3FF3A1E6-2742-498A-8175-9D0651703337}"/>
               </a:ext>
             </a:extLst>
           </p:cNvPr>
@@ -487,7 +489,7 @@
           <p:cNvPr id="5" name="Espaço Reservado para Rodapé 4">
             <a:extLst>
               <a:ext uri="{FF2B5EF4-FFF2-40B4-BE49-F238E27FC236}">
-                <a16:creationId xmlns="" xmlns:a16="http://schemas.microsoft.com/office/drawing/2014/main" id="{EBE0C18B-C279-4D99-9184-6F99BA697211}"/>
+                <a16:creationId xmlns:a16="http://schemas.microsoft.com/office/drawing/2014/main" xmlns="" id="{EBE0C18B-C279-4D99-9184-6F99BA697211}"/>
               </a:ext>
             </a:extLst>
           </p:cNvPr>
@@ -512,7 +514,7 @@
           <p:cNvPr id="6" name="Espaço Reservado para Número de Slide 5">
             <a:extLst>
               <a:ext uri="{FF2B5EF4-FFF2-40B4-BE49-F238E27FC236}">
-                <a16:creationId xmlns="" xmlns:a16="http://schemas.microsoft.com/office/drawing/2014/main" id="{A1A5A280-EE17-4EEA-8912-82F419C93A6E}"/>
+                <a16:creationId xmlns:a16="http://schemas.microsoft.com/office/drawing/2014/main" xmlns="" id="{A1A5A280-EE17-4EEA-8912-82F419C93A6E}"/>
               </a:ext>
             </a:extLst>
           </p:cNvPr>
@@ -571,7 +573,7 @@
           <p:cNvPr id="2" name="Título Vertical 1">
             <a:extLst>
               <a:ext uri="{FF2B5EF4-FFF2-40B4-BE49-F238E27FC236}">
-                <a16:creationId xmlns="" xmlns:a16="http://schemas.microsoft.com/office/drawing/2014/main" id="{C03D724C-67C7-4D32-A01C-B0BB3ECD8EB3}"/>
+                <a16:creationId xmlns:a16="http://schemas.microsoft.com/office/drawing/2014/main" xmlns="" id="{C03D724C-67C7-4D32-A01C-B0BB3ECD8EB3}"/>
               </a:ext>
             </a:extLst>
           </p:cNvPr>
@@ -604,7 +606,7 @@
           <p:cNvPr id="3" name="Espaço Reservado para Texto Vertical 2">
             <a:extLst>
               <a:ext uri="{FF2B5EF4-FFF2-40B4-BE49-F238E27FC236}">
-                <a16:creationId xmlns="" xmlns:a16="http://schemas.microsoft.com/office/drawing/2014/main" id="{3626FE6B-3A8B-4746-A166-2B19387040BF}"/>
+                <a16:creationId xmlns:a16="http://schemas.microsoft.com/office/drawing/2014/main" xmlns="" id="{3626FE6B-3A8B-4746-A166-2B19387040BF}"/>
               </a:ext>
             </a:extLst>
           </p:cNvPr>
@@ -666,7 +668,7 @@
           <p:cNvPr id="4" name="Espaço Reservado para Data 3">
             <a:extLst>
               <a:ext uri="{FF2B5EF4-FFF2-40B4-BE49-F238E27FC236}">
-                <a16:creationId xmlns="" xmlns:a16="http://schemas.microsoft.com/office/drawing/2014/main" id="{FDECFB03-9C0F-4B3C-BA48-16014294A4EC}"/>
+                <a16:creationId xmlns:a16="http://schemas.microsoft.com/office/drawing/2014/main" xmlns="" id="{FDECFB03-9C0F-4B3C-BA48-16014294A4EC}"/>
               </a:ext>
             </a:extLst>
           </p:cNvPr>
@@ -695,7 +697,7 @@
           <p:cNvPr id="5" name="Espaço Reservado para Rodapé 4">
             <a:extLst>
               <a:ext uri="{FF2B5EF4-FFF2-40B4-BE49-F238E27FC236}">
-                <a16:creationId xmlns="" xmlns:a16="http://schemas.microsoft.com/office/drawing/2014/main" id="{88B30232-CA76-4922-AE77-FAA7E009046F}"/>
+                <a16:creationId xmlns:a16="http://schemas.microsoft.com/office/drawing/2014/main" xmlns="" id="{88B30232-CA76-4922-AE77-FAA7E009046F}"/>
               </a:ext>
             </a:extLst>
           </p:cNvPr>
@@ -720,7 +722,7 @@
           <p:cNvPr id="6" name="Espaço Reservado para Número de Slide 5">
             <a:extLst>
               <a:ext uri="{FF2B5EF4-FFF2-40B4-BE49-F238E27FC236}">
-                <a16:creationId xmlns="" xmlns:a16="http://schemas.microsoft.com/office/drawing/2014/main" id="{D9A1065A-B38D-4EF5-A176-C6D00F0E7723}"/>
+                <a16:creationId xmlns:a16="http://schemas.microsoft.com/office/drawing/2014/main" xmlns="" id="{D9A1065A-B38D-4EF5-A176-C6D00F0E7723}"/>
               </a:ext>
             </a:extLst>
           </p:cNvPr>
@@ -779,7 +781,7 @@
           <p:cNvPr id="8" name="Imagem 7">
             <a:extLst>
               <a:ext uri="{FF2B5EF4-FFF2-40B4-BE49-F238E27FC236}">
-                <a16:creationId xmlns="" xmlns:a16="http://schemas.microsoft.com/office/drawing/2014/main" id="{D7090AF1-5EB9-4906-B181-AF7AC18CBB40}"/>
+                <a16:creationId xmlns:a16="http://schemas.microsoft.com/office/drawing/2014/main" xmlns="" id="{D7090AF1-5EB9-4906-B181-AF7AC18CBB40}"/>
               </a:ext>
             </a:extLst>
           </p:cNvPr>
@@ -815,7 +817,7 @@
           <p:cNvPr id="2" name="Título 1">
             <a:extLst>
               <a:ext uri="{FF2B5EF4-FFF2-40B4-BE49-F238E27FC236}">
-                <a16:creationId xmlns="" xmlns:a16="http://schemas.microsoft.com/office/drawing/2014/main" id="{8EF68AB4-D725-4287-9514-4636EDCF475A}"/>
+                <a16:creationId xmlns:a16="http://schemas.microsoft.com/office/drawing/2014/main" xmlns="" id="{8EF68AB4-D725-4287-9514-4636EDCF475A}"/>
               </a:ext>
             </a:extLst>
           </p:cNvPr>
@@ -862,7 +864,7 @@
           <p:cNvPr id="3" name="Espaço Reservado para Conteúdo 2">
             <a:extLst>
               <a:ext uri="{FF2B5EF4-FFF2-40B4-BE49-F238E27FC236}">
-                <a16:creationId xmlns="" xmlns:a16="http://schemas.microsoft.com/office/drawing/2014/main" id="{203783F7-96C5-40BD-9A08-EFE9388AD884}"/>
+                <a16:creationId xmlns:a16="http://schemas.microsoft.com/office/drawing/2014/main" xmlns="" id="{203783F7-96C5-40BD-9A08-EFE9388AD884}"/>
               </a:ext>
             </a:extLst>
           </p:cNvPr>
@@ -970,7 +972,7 @@
           <p:cNvPr id="4" name="Espaço Reservado para Data 3">
             <a:extLst>
               <a:ext uri="{FF2B5EF4-FFF2-40B4-BE49-F238E27FC236}">
-                <a16:creationId xmlns="" xmlns:a16="http://schemas.microsoft.com/office/drawing/2014/main" id="{3D0EE799-8BCB-4625-B32A-10C626B770AF}"/>
+                <a16:creationId xmlns:a16="http://schemas.microsoft.com/office/drawing/2014/main" xmlns="" id="{3D0EE799-8BCB-4625-B32A-10C626B770AF}"/>
               </a:ext>
             </a:extLst>
           </p:cNvPr>
@@ -999,7 +1001,7 @@
           <p:cNvPr id="5" name="Espaço Reservado para Rodapé 4">
             <a:extLst>
               <a:ext uri="{FF2B5EF4-FFF2-40B4-BE49-F238E27FC236}">
-                <a16:creationId xmlns="" xmlns:a16="http://schemas.microsoft.com/office/drawing/2014/main" id="{4F6E828D-123D-41B5-B826-2C43281B90F7}"/>
+                <a16:creationId xmlns:a16="http://schemas.microsoft.com/office/drawing/2014/main" xmlns="" id="{4F6E828D-123D-41B5-B826-2C43281B90F7}"/>
               </a:ext>
             </a:extLst>
           </p:cNvPr>
@@ -1024,7 +1026,7 @@
           <p:cNvPr id="6" name="Espaço Reservado para Número de Slide 5">
             <a:extLst>
               <a:ext uri="{FF2B5EF4-FFF2-40B4-BE49-F238E27FC236}">
-                <a16:creationId xmlns="" xmlns:a16="http://schemas.microsoft.com/office/drawing/2014/main" id="{55FA3982-F9A5-4CF8-8B68-68A1DC04F767}"/>
+                <a16:creationId xmlns:a16="http://schemas.microsoft.com/office/drawing/2014/main" xmlns="" id="{55FA3982-F9A5-4CF8-8B68-68A1DC04F767}"/>
               </a:ext>
             </a:extLst>
           </p:cNvPr>
@@ -1083,7 +1085,7 @@
           <p:cNvPr id="2" name="Título 1">
             <a:extLst>
               <a:ext uri="{FF2B5EF4-FFF2-40B4-BE49-F238E27FC236}">
-                <a16:creationId xmlns="" xmlns:a16="http://schemas.microsoft.com/office/drawing/2014/main" id="{3A87BD1F-5300-4E4A-99C9-FD4102D269A6}"/>
+                <a16:creationId xmlns:a16="http://schemas.microsoft.com/office/drawing/2014/main" xmlns="" id="{3A87BD1F-5300-4E4A-99C9-FD4102D269A6}"/>
               </a:ext>
             </a:extLst>
           </p:cNvPr>
@@ -1120,7 +1122,7 @@
           <p:cNvPr id="3" name="Espaço Reservado para Texto 2">
             <a:extLst>
               <a:ext uri="{FF2B5EF4-FFF2-40B4-BE49-F238E27FC236}">
-                <a16:creationId xmlns="" xmlns:a16="http://schemas.microsoft.com/office/drawing/2014/main" id="{AF0F7652-8543-4337-8A5A-680A8388FF46}"/>
+                <a16:creationId xmlns:a16="http://schemas.microsoft.com/office/drawing/2014/main" xmlns="" id="{AF0F7652-8543-4337-8A5A-680A8388FF46}"/>
               </a:ext>
             </a:extLst>
           </p:cNvPr>
@@ -1245,7 +1247,7 @@
           <p:cNvPr id="4" name="Espaço Reservado para Data 3">
             <a:extLst>
               <a:ext uri="{FF2B5EF4-FFF2-40B4-BE49-F238E27FC236}">
-                <a16:creationId xmlns="" xmlns:a16="http://schemas.microsoft.com/office/drawing/2014/main" id="{95EBAD6D-D429-4826-8259-9A579A166582}"/>
+                <a16:creationId xmlns:a16="http://schemas.microsoft.com/office/drawing/2014/main" xmlns="" id="{95EBAD6D-D429-4826-8259-9A579A166582}"/>
               </a:ext>
             </a:extLst>
           </p:cNvPr>
@@ -1274,7 +1276,7 @@
           <p:cNvPr id="5" name="Espaço Reservado para Rodapé 4">
             <a:extLst>
               <a:ext uri="{FF2B5EF4-FFF2-40B4-BE49-F238E27FC236}">
-                <a16:creationId xmlns="" xmlns:a16="http://schemas.microsoft.com/office/drawing/2014/main" id="{5E1F8C2F-998C-4357-BE2D-0E8F11DB128E}"/>
+                <a16:creationId xmlns:a16="http://schemas.microsoft.com/office/drawing/2014/main" xmlns="" id="{5E1F8C2F-998C-4357-BE2D-0E8F11DB128E}"/>
               </a:ext>
             </a:extLst>
           </p:cNvPr>
@@ -1299,7 +1301,7 @@
           <p:cNvPr id="6" name="Espaço Reservado para Número de Slide 5">
             <a:extLst>
               <a:ext uri="{FF2B5EF4-FFF2-40B4-BE49-F238E27FC236}">
-                <a16:creationId xmlns="" xmlns:a16="http://schemas.microsoft.com/office/drawing/2014/main" id="{A4F87026-4613-434F-A5E2-2CFA13CF5236}"/>
+                <a16:creationId xmlns:a16="http://schemas.microsoft.com/office/drawing/2014/main" xmlns="" id="{A4F87026-4613-434F-A5E2-2CFA13CF5236}"/>
               </a:ext>
             </a:extLst>
           </p:cNvPr>
@@ -1358,7 +1360,7 @@
           <p:cNvPr id="2" name="Título 1">
             <a:extLst>
               <a:ext uri="{FF2B5EF4-FFF2-40B4-BE49-F238E27FC236}">
-                <a16:creationId xmlns="" xmlns:a16="http://schemas.microsoft.com/office/drawing/2014/main" id="{F0313BC9-C152-46D7-95D4-BF0C355CD9B8}"/>
+                <a16:creationId xmlns:a16="http://schemas.microsoft.com/office/drawing/2014/main" xmlns="" id="{F0313BC9-C152-46D7-95D4-BF0C355CD9B8}"/>
               </a:ext>
             </a:extLst>
           </p:cNvPr>
@@ -1386,7 +1388,7 @@
           <p:cNvPr id="3" name="Espaço Reservado para Conteúdo 2">
             <a:extLst>
               <a:ext uri="{FF2B5EF4-FFF2-40B4-BE49-F238E27FC236}">
-                <a16:creationId xmlns="" xmlns:a16="http://schemas.microsoft.com/office/drawing/2014/main" id="{092DB17F-B0E7-4CEF-BA8C-035E980EA11C}"/>
+                <a16:creationId xmlns:a16="http://schemas.microsoft.com/office/drawing/2014/main" xmlns="" id="{092DB17F-B0E7-4CEF-BA8C-035E980EA11C}"/>
               </a:ext>
             </a:extLst>
           </p:cNvPr>
@@ -1448,7 +1450,7 @@
           <p:cNvPr id="4" name="Espaço Reservado para Conteúdo 3">
             <a:extLst>
               <a:ext uri="{FF2B5EF4-FFF2-40B4-BE49-F238E27FC236}">
-                <a16:creationId xmlns="" xmlns:a16="http://schemas.microsoft.com/office/drawing/2014/main" id="{2C0D6FEE-D9E8-404D-985C-5C3029B96CE0}"/>
+                <a16:creationId xmlns:a16="http://schemas.microsoft.com/office/drawing/2014/main" xmlns="" id="{2C0D6FEE-D9E8-404D-985C-5C3029B96CE0}"/>
               </a:ext>
             </a:extLst>
           </p:cNvPr>
@@ -1510,7 +1512,7 @@
           <p:cNvPr id="5" name="Espaço Reservado para Data 4">
             <a:extLst>
               <a:ext uri="{FF2B5EF4-FFF2-40B4-BE49-F238E27FC236}">
-                <a16:creationId xmlns="" xmlns:a16="http://schemas.microsoft.com/office/drawing/2014/main" id="{668CA355-39C2-4105-9AE3-3A2BE2CA854E}"/>
+                <a16:creationId xmlns:a16="http://schemas.microsoft.com/office/drawing/2014/main" xmlns="" id="{668CA355-39C2-4105-9AE3-3A2BE2CA854E}"/>
               </a:ext>
             </a:extLst>
           </p:cNvPr>
@@ -1539,7 +1541,7 @@
           <p:cNvPr id="6" name="Espaço Reservado para Rodapé 5">
             <a:extLst>
               <a:ext uri="{FF2B5EF4-FFF2-40B4-BE49-F238E27FC236}">
-                <a16:creationId xmlns="" xmlns:a16="http://schemas.microsoft.com/office/drawing/2014/main" id="{E49DF480-70CE-4A47-9AC1-A49195BAFE00}"/>
+                <a16:creationId xmlns:a16="http://schemas.microsoft.com/office/drawing/2014/main" xmlns="" id="{E49DF480-70CE-4A47-9AC1-A49195BAFE00}"/>
               </a:ext>
             </a:extLst>
           </p:cNvPr>
@@ -1564,7 +1566,7 @@
           <p:cNvPr id="7" name="Espaço Reservado para Número de Slide 6">
             <a:extLst>
               <a:ext uri="{FF2B5EF4-FFF2-40B4-BE49-F238E27FC236}">
-                <a16:creationId xmlns="" xmlns:a16="http://schemas.microsoft.com/office/drawing/2014/main" id="{E71E87A5-1E7A-4A8C-ABA4-2DE45BACD39D}"/>
+                <a16:creationId xmlns:a16="http://schemas.microsoft.com/office/drawing/2014/main" xmlns="" id="{E71E87A5-1E7A-4A8C-ABA4-2DE45BACD39D}"/>
               </a:ext>
             </a:extLst>
           </p:cNvPr>
@@ -1623,7 +1625,7 @@
           <p:cNvPr id="2" name="Título 1">
             <a:extLst>
               <a:ext uri="{FF2B5EF4-FFF2-40B4-BE49-F238E27FC236}">
-                <a16:creationId xmlns="" xmlns:a16="http://schemas.microsoft.com/office/drawing/2014/main" id="{3DA0AB99-4299-4DDB-9A8C-CC60F5918FB8}"/>
+                <a16:creationId xmlns:a16="http://schemas.microsoft.com/office/drawing/2014/main" xmlns="" id="{3DA0AB99-4299-4DDB-9A8C-CC60F5918FB8}"/>
               </a:ext>
             </a:extLst>
           </p:cNvPr>
@@ -1656,7 +1658,7 @@
           <p:cNvPr id="3" name="Espaço Reservado para Texto 2">
             <a:extLst>
               <a:ext uri="{FF2B5EF4-FFF2-40B4-BE49-F238E27FC236}">
-                <a16:creationId xmlns="" xmlns:a16="http://schemas.microsoft.com/office/drawing/2014/main" id="{96DE159B-C576-4198-B89C-8B659BC5D5A3}"/>
+                <a16:creationId xmlns:a16="http://schemas.microsoft.com/office/drawing/2014/main" xmlns="" id="{96DE159B-C576-4198-B89C-8B659BC5D5A3}"/>
               </a:ext>
             </a:extLst>
           </p:cNvPr>
@@ -1727,7 +1729,7 @@
           <p:cNvPr id="4" name="Espaço Reservado para Conteúdo 3">
             <a:extLst>
               <a:ext uri="{FF2B5EF4-FFF2-40B4-BE49-F238E27FC236}">
-                <a16:creationId xmlns="" xmlns:a16="http://schemas.microsoft.com/office/drawing/2014/main" id="{063A36FB-79EB-4521-9F00-052259F6B686}"/>
+                <a16:creationId xmlns:a16="http://schemas.microsoft.com/office/drawing/2014/main" xmlns="" id="{063A36FB-79EB-4521-9F00-052259F6B686}"/>
               </a:ext>
             </a:extLst>
           </p:cNvPr>
@@ -1789,7 +1791,7 @@
           <p:cNvPr id="5" name="Espaço Reservado para Texto 4">
             <a:extLst>
               <a:ext uri="{FF2B5EF4-FFF2-40B4-BE49-F238E27FC236}">
-                <a16:creationId xmlns="" xmlns:a16="http://schemas.microsoft.com/office/drawing/2014/main" id="{E0C33E91-287D-4F27-94CD-AF3350088D53}"/>
+                <a16:creationId xmlns:a16="http://schemas.microsoft.com/office/drawing/2014/main" xmlns="" id="{E0C33E91-287D-4F27-94CD-AF3350088D53}"/>
               </a:ext>
             </a:extLst>
           </p:cNvPr>
@@ -1860,7 +1862,7 @@
           <p:cNvPr id="6" name="Espaço Reservado para Conteúdo 5">
             <a:extLst>
               <a:ext uri="{FF2B5EF4-FFF2-40B4-BE49-F238E27FC236}">
-                <a16:creationId xmlns="" xmlns:a16="http://schemas.microsoft.com/office/drawing/2014/main" id="{937CBD43-F7E6-4CEB-B59A-13945CF89A39}"/>
+                <a16:creationId xmlns:a16="http://schemas.microsoft.com/office/drawing/2014/main" xmlns="" id="{937CBD43-F7E6-4CEB-B59A-13945CF89A39}"/>
               </a:ext>
             </a:extLst>
           </p:cNvPr>
@@ -1922,7 +1924,7 @@
           <p:cNvPr id="7" name="Espaço Reservado para Data 6">
             <a:extLst>
               <a:ext uri="{FF2B5EF4-FFF2-40B4-BE49-F238E27FC236}">
-                <a16:creationId xmlns="" xmlns:a16="http://schemas.microsoft.com/office/drawing/2014/main" id="{C33547E3-7FAB-4643-9249-48E2D0B0A751}"/>
+                <a16:creationId xmlns:a16="http://schemas.microsoft.com/office/drawing/2014/main" xmlns="" id="{C33547E3-7FAB-4643-9249-48E2D0B0A751}"/>
               </a:ext>
             </a:extLst>
           </p:cNvPr>
@@ -1951,7 +1953,7 @@
           <p:cNvPr id="8" name="Espaço Reservado para Rodapé 7">
             <a:extLst>
               <a:ext uri="{FF2B5EF4-FFF2-40B4-BE49-F238E27FC236}">
-                <a16:creationId xmlns="" xmlns:a16="http://schemas.microsoft.com/office/drawing/2014/main" id="{FA57E93D-7061-46C2-8228-089E22B96336}"/>
+                <a16:creationId xmlns:a16="http://schemas.microsoft.com/office/drawing/2014/main" xmlns="" id="{FA57E93D-7061-46C2-8228-089E22B96336}"/>
               </a:ext>
             </a:extLst>
           </p:cNvPr>
@@ -1976,7 +1978,7 @@
           <p:cNvPr id="9" name="Espaço Reservado para Número de Slide 8">
             <a:extLst>
               <a:ext uri="{FF2B5EF4-FFF2-40B4-BE49-F238E27FC236}">
-                <a16:creationId xmlns="" xmlns:a16="http://schemas.microsoft.com/office/drawing/2014/main" id="{5F67C9CE-6ECC-469B-AA71-15FF095BB3E8}"/>
+                <a16:creationId xmlns:a16="http://schemas.microsoft.com/office/drawing/2014/main" xmlns="" id="{5F67C9CE-6ECC-469B-AA71-15FF095BB3E8}"/>
               </a:ext>
             </a:extLst>
           </p:cNvPr>
@@ -2035,7 +2037,7 @@
           <p:cNvPr id="2" name="Título 1">
             <a:extLst>
               <a:ext uri="{FF2B5EF4-FFF2-40B4-BE49-F238E27FC236}">
-                <a16:creationId xmlns="" xmlns:a16="http://schemas.microsoft.com/office/drawing/2014/main" id="{89046F56-8E1A-44E3-A940-3D187E757F58}"/>
+                <a16:creationId xmlns:a16="http://schemas.microsoft.com/office/drawing/2014/main" xmlns="" id="{89046F56-8E1A-44E3-A940-3D187E757F58}"/>
               </a:ext>
             </a:extLst>
           </p:cNvPr>
@@ -2063,7 +2065,7 @@
           <p:cNvPr id="3" name="Espaço Reservado para Data 2">
             <a:extLst>
               <a:ext uri="{FF2B5EF4-FFF2-40B4-BE49-F238E27FC236}">
-                <a16:creationId xmlns="" xmlns:a16="http://schemas.microsoft.com/office/drawing/2014/main" id="{376511D2-0C90-4D98-9527-96FD0AC0D9D4}"/>
+                <a16:creationId xmlns:a16="http://schemas.microsoft.com/office/drawing/2014/main" xmlns="" id="{376511D2-0C90-4D98-9527-96FD0AC0D9D4}"/>
               </a:ext>
             </a:extLst>
           </p:cNvPr>
@@ -2092,7 +2094,7 @@
           <p:cNvPr id="4" name="Espaço Reservado para Rodapé 3">
             <a:extLst>
               <a:ext uri="{FF2B5EF4-FFF2-40B4-BE49-F238E27FC236}">
-                <a16:creationId xmlns="" xmlns:a16="http://schemas.microsoft.com/office/drawing/2014/main" id="{216D4E85-FD0F-4E1B-ADCB-FE4F714E8ED9}"/>
+                <a16:creationId xmlns:a16="http://schemas.microsoft.com/office/drawing/2014/main" xmlns="" id="{216D4E85-FD0F-4E1B-ADCB-FE4F714E8ED9}"/>
               </a:ext>
             </a:extLst>
           </p:cNvPr>
@@ -2117,7 +2119,7 @@
           <p:cNvPr id="5" name="Espaço Reservado para Número de Slide 4">
             <a:extLst>
               <a:ext uri="{FF2B5EF4-FFF2-40B4-BE49-F238E27FC236}">
-                <a16:creationId xmlns="" xmlns:a16="http://schemas.microsoft.com/office/drawing/2014/main" id="{580C9CE5-35BF-4733-8A29-59C3C8227B29}"/>
+                <a16:creationId xmlns:a16="http://schemas.microsoft.com/office/drawing/2014/main" xmlns="" id="{580C9CE5-35BF-4733-8A29-59C3C8227B29}"/>
               </a:ext>
             </a:extLst>
           </p:cNvPr>
@@ -2176,7 +2178,7 @@
           <p:cNvPr id="6" name="Imagem 5">
             <a:extLst>
               <a:ext uri="{FF2B5EF4-FFF2-40B4-BE49-F238E27FC236}">
-                <a16:creationId xmlns="" xmlns:a16="http://schemas.microsoft.com/office/drawing/2014/main" id="{1D33223E-08E2-4B32-ABA3-99F592EA07CC}"/>
+                <a16:creationId xmlns:a16="http://schemas.microsoft.com/office/drawing/2014/main" xmlns="" id="{1D33223E-08E2-4B32-ABA3-99F592EA07CC}"/>
               </a:ext>
             </a:extLst>
           </p:cNvPr>
@@ -2212,7 +2214,7 @@
           <p:cNvPr id="2" name="Espaço Reservado para Data 1">
             <a:extLst>
               <a:ext uri="{FF2B5EF4-FFF2-40B4-BE49-F238E27FC236}">
-                <a16:creationId xmlns="" xmlns:a16="http://schemas.microsoft.com/office/drawing/2014/main" id="{4B63D18E-C140-483E-A185-07953B4475C7}"/>
+                <a16:creationId xmlns:a16="http://schemas.microsoft.com/office/drawing/2014/main" xmlns="" id="{4B63D18E-C140-483E-A185-07953B4475C7}"/>
               </a:ext>
             </a:extLst>
           </p:cNvPr>
@@ -2241,7 +2243,7 @@
           <p:cNvPr id="3" name="Espaço Reservado para Rodapé 2">
             <a:extLst>
               <a:ext uri="{FF2B5EF4-FFF2-40B4-BE49-F238E27FC236}">
-                <a16:creationId xmlns="" xmlns:a16="http://schemas.microsoft.com/office/drawing/2014/main" id="{EAA112E1-470F-4ED5-B98C-CF0DC132C89D}"/>
+                <a16:creationId xmlns:a16="http://schemas.microsoft.com/office/drawing/2014/main" xmlns="" id="{EAA112E1-470F-4ED5-B98C-CF0DC132C89D}"/>
               </a:ext>
             </a:extLst>
           </p:cNvPr>
@@ -2266,7 +2268,7 @@
           <p:cNvPr id="4" name="Espaço Reservado para Número de Slide 3">
             <a:extLst>
               <a:ext uri="{FF2B5EF4-FFF2-40B4-BE49-F238E27FC236}">
-                <a16:creationId xmlns="" xmlns:a16="http://schemas.microsoft.com/office/drawing/2014/main" id="{F43DDA12-B02C-43EB-B62E-719FC375D9E7}"/>
+                <a16:creationId xmlns:a16="http://schemas.microsoft.com/office/drawing/2014/main" xmlns="" id="{F43DDA12-B02C-43EB-B62E-719FC375D9E7}"/>
               </a:ext>
             </a:extLst>
           </p:cNvPr>
@@ -2325,7 +2327,7 @@
           <p:cNvPr id="2" name="Título 1">
             <a:extLst>
               <a:ext uri="{FF2B5EF4-FFF2-40B4-BE49-F238E27FC236}">
-                <a16:creationId xmlns="" xmlns:a16="http://schemas.microsoft.com/office/drawing/2014/main" id="{08B6F336-A75F-4B99-96B8-CCA095226642}"/>
+                <a16:creationId xmlns:a16="http://schemas.microsoft.com/office/drawing/2014/main" xmlns="" id="{08B6F336-A75F-4B99-96B8-CCA095226642}"/>
               </a:ext>
             </a:extLst>
           </p:cNvPr>
@@ -2362,7 +2364,7 @@
           <p:cNvPr id="3" name="Espaço Reservado para Conteúdo 2">
             <a:extLst>
               <a:ext uri="{FF2B5EF4-FFF2-40B4-BE49-F238E27FC236}">
-                <a16:creationId xmlns="" xmlns:a16="http://schemas.microsoft.com/office/drawing/2014/main" id="{A6771F1C-60E8-4ED7-AA7E-13C1538A4A95}"/>
+                <a16:creationId xmlns:a16="http://schemas.microsoft.com/office/drawing/2014/main" xmlns="" id="{A6771F1C-60E8-4ED7-AA7E-13C1538A4A95}"/>
               </a:ext>
             </a:extLst>
           </p:cNvPr>
@@ -2452,7 +2454,7 @@
           <p:cNvPr id="4" name="Espaço Reservado para Texto 3">
             <a:extLst>
               <a:ext uri="{FF2B5EF4-FFF2-40B4-BE49-F238E27FC236}">
-                <a16:creationId xmlns="" xmlns:a16="http://schemas.microsoft.com/office/drawing/2014/main" id="{740E8307-6F99-4288-8F0D-BE503A918DC7}"/>
+                <a16:creationId xmlns:a16="http://schemas.microsoft.com/office/drawing/2014/main" xmlns="" id="{740E8307-6F99-4288-8F0D-BE503A918DC7}"/>
               </a:ext>
             </a:extLst>
           </p:cNvPr>
@@ -2523,7 +2525,7 @@
           <p:cNvPr id="5" name="Espaço Reservado para Data 4">
             <a:extLst>
               <a:ext uri="{FF2B5EF4-FFF2-40B4-BE49-F238E27FC236}">
-                <a16:creationId xmlns="" xmlns:a16="http://schemas.microsoft.com/office/drawing/2014/main" id="{DCC23F47-FBBA-4521-A9DB-2BF209CF0731}"/>
+                <a16:creationId xmlns:a16="http://schemas.microsoft.com/office/drawing/2014/main" xmlns="" id="{DCC23F47-FBBA-4521-A9DB-2BF209CF0731}"/>
               </a:ext>
             </a:extLst>
           </p:cNvPr>
@@ -2552,7 +2554,7 @@
           <p:cNvPr id="6" name="Espaço Reservado para Rodapé 5">
             <a:extLst>
               <a:ext uri="{FF2B5EF4-FFF2-40B4-BE49-F238E27FC236}">
-                <a16:creationId xmlns="" xmlns:a16="http://schemas.microsoft.com/office/drawing/2014/main" id="{E735CCBC-C14C-42BF-BED3-1D8654EEF0AF}"/>
+                <a16:creationId xmlns:a16="http://schemas.microsoft.com/office/drawing/2014/main" xmlns="" id="{E735CCBC-C14C-42BF-BED3-1D8654EEF0AF}"/>
               </a:ext>
             </a:extLst>
           </p:cNvPr>
@@ -2577,7 +2579,7 @@
           <p:cNvPr id="7" name="Espaço Reservado para Número de Slide 6">
             <a:extLst>
               <a:ext uri="{FF2B5EF4-FFF2-40B4-BE49-F238E27FC236}">
-                <a16:creationId xmlns="" xmlns:a16="http://schemas.microsoft.com/office/drawing/2014/main" id="{C88230E9-E8B4-4A75-B35B-8A181F35DE49}"/>
+                <a16:creationId xmlns:a16="http://schemas.microsoft.com/office/drawing/2014/main" xmlns="" id="{C88230E9-E8B4-4A75-B35B-8A181F35DE49}"/>
               </a:ext>
             </a:extLst>
           </p:cNvPr>
@@ -2636,7 +2638,7 @@
           <p:cNvPr id="2" name="Título 1">
             <a:extLst>
               <a:ext uri="{FF2B5EF4-FFF2-40B4-BE49-F238E27FC236}">
-                <a16:creationId xmlns="" xmlns:a16="http://schemas.microsoft.com/office/drawing/2014/main" id="{93DAA99E-B9BF-4D33-9D6D-05613C40F14C}"/>
+                <a16:creationId xmlns:a16="http://schemas.microsoft.com/office/drawing/2014/main" xmlns="" id="{93DAA99E-B9BF-4D33-9D6D-05613C40F14C}"/>
               </a:ext>
             </a:extLst>
           </p:cNvPr>
@@ -2673,7 +2675,7 @@
           <p:cNvPr id="3" name="Espaço Reservado para Imagem 2">
             <a:extLst>
               <a:ext uri="{FF2B5EF4-FFF2-40B4-BE49-F238E27FC236}">
-                <a16:creationId xmlns="" xmlns:a16="http://schemas.microsoft.com/office/drawing/2014/main" id="{980CD6B3-6F7E-4F83-8AE4-C65D7AF2D906}"/>
+                <a16:creationId xmlns:a16="http://schemas.microsoft.com/office/drawing/2014/main" xmlns="" id="{980CD6B3-6F7E-4F83-8AE4-C65D7AF2D906}"/>
               </a:ext>
             </a:extLst>
           </p:cNvPr>
@@ -2740,7 +2742,7 @@
           <p:cNvPr id="4" name="Espaço Reservado para Texto 3">
             <a:extLst>
               <a:ext uri="{FF2B5EF4-FFF2-40B4-BE49-F238E27FC236}">
-                <a16:creationId xmlns="" xmlns:a16="http://schemas.microsoft.com/office/drawing/2014/main" id="{BC50C44E-7D27-469C-BEB2-CC8837C6D4DC}"/>
+                <a16:creationId xmlns:a16="http://schemas.microsoft.com/office/drawing/2014/main" xmlns="" id="{BC50C44E-7D27-469C-BEB2-CC8837C6D4DC}"/>
               </a:ext>
             </a:extLst>
           </p:cNvPr>
@@ -2811,7 +2813,7 @@
           <p:cNvPr id="5" name="Espaço Reservado para Data 4">
             <a:extLst>
               <a:ext uri="{FF2B5EF4-FFF2-40B4-BE49-F238E27FC236}">
-                <a16:creationId xmlns="" xmlns:a16="http://schemas.microsoft.com/office/drawing/2014/main" id="{3C75F6E2-9BE3-4D07-AB2C-C4BDD0A00EC3}"/>
+                <a16:creationId xmlns:a16="http://schemas.microsoft.com/office/drawing/2014/main" xmlns="" id="{3C75F6E2-9BE3-4D07-AB2C-C4BDD0A00EC3}"/>
               </a:ext>
             </a:extLst>
           </p:cNvPr>
@@ -2840,7 +2842,7 @@
           <p:cNvPr id="6" name="Espaço Reservado para Rodapé 5">
             <a:extLst>
               <a:ext uri="{FF2B5EF4-FFF2-40B4-BE49-F238E27FC236}">
-                <a16:creationId xmlns="" xmlns:a16="http://schemas.microsoft.com/office/drawing/2014/main" id="{37E69153-0D3C-48A2-9EC8-DB3EB1791390}"/>
+                <a16:creationId xmlns:a16="http://schemas.microsoft.com/office/drawing/2014/main" xmlns="" id="{37E69153-0D3C-48A2-9EC8-DB3EB1791390}"/>
               </a:ext>
             </a:extLst>
           </p:cNvPr>
@@ -2865,7 +2867,7 @@
           <p:cNvPr id="7" name="Espaço Reservado para Número de Slide 6">
             <a:extLst>
               <a:ext uri="{FF2B5EF4-FFF2-40B4-BE49-F238E27FC236}">
-                <a16:creationId xmlns="" xmlns:a16="http://schemas.microsoft.com/office/drawing/2014/main" id="{B82B0342-6B88-4E11-A0D1-6C55665AD682}"/>
+                <a16:creationId xmlns:a16="http://schemas.microsoft.com/office/drawing/2014/main" xmlns="" id="{B82B0342-6B88-4E11-A0D1-6C55665AD682}"/>
               </a:ext>
             </a:extLst>
           </p:cNvPr>
@@ -2929,7 +2931,7 @@
           <p:cNvPr id="2" name="Espaço Reservado para Título 1">
             <a:extLst>
               <a:ext uri="{FF2B5EF4-FFF2-40B4-BE49-F238E27FC236}">
-                <a16:creationId xmlns="" xmlns:a16="http://schemas.microsoft.com/office/drawing/2014/main" id="{553063B6-D906-45EC-B7E2-4A91F473C213}"/>
+                <a16:creationId xmlns:a16="http://schemas.microsoft.com/office/drawing/2014/main" xmlns="" id="{553063B6-D906-45EC-B7E2-4A91F473C213}"/>
               </a:ext>
             </a:extLst>
           </p:cNvPr>
@@ -2967,7 +2969,7 @@
           <p:cNvPr id="3" name="Espaço Reservado para Texto 2">
             <a:extLst>
               <a:ext uri="{FF2B5EF4-FFF2-40B4-BE49-F238E27FC236}">
-                <a16:creationId xmlns="" xmlns:a16="http://schemas.microsoft.com/office/drawing/2014/main" id="{3AEF972E-9A95-4CFB-A9B0-90A7914280A7}"/>
+                <a16:creationId xmlns:a16="http://schemas.microsoft.com/office/drawing/2014/main" xmlns="" id="{3AEF972E-9A95-4CFB-A9B0-90A7914280A7}"/>
               </a:ext>
             </a:extLst>
           </p:cNvPr>
@@ -3034,7 +3036,7 @@
           <p:cNvPr id="4" name="Espaço Reservado para Data 3">
             <a:extLst>
               <a:ext uri="{FF2B5EF4-FFF2-40B4-BE49-F238E27FC236}">
-                <a16:creationId xmlns="" xmlns:a16="http://schemas.microsoft.com/office/drawing/2014/main" id="{F4FB950B-A05A-4F71-B49C-CDBDC7C17086}"/>
+                <a16:creationId xmlns:a16="http://schemas.microsoft.com/office/drawing/2014/main" xmlns="" id="{F4FB950B-A05A-4F71-B49C-CDBDC7C17086}"/>
               </a:ext>
             </a:extLst>
           </p:cNvPr>
@@ -3081,7 +3083,7 @@
           <p:cNvPr id="5" name="Espaço Reservado para Rodapé 4">
             <a:extLst>
               <a:ext uri="{FF2B5EF4-FFF2-40B4-BE49-F238E27FC236}">
-                <a16:creationId xmlns="" xmlns:a16="http://schemas.microsoft.com/office/drawing/2014/main" id="{3777B63B-63BE-47F8-A8CA-8319AFC6B390}"/>
+                <a16:creationId xmlns:a16="http://schemas.microsoft.com/office/drawing/2014/main" xmlns="" id="{3777B63B-63BE-47F8-A8CA-8319AFC6B390}"/>
               </a:ext>
             </a:extLst>
           </p:cNvPr>
@@ -3124,7 +3126,7 @@
           <p:cNvPr id="6" name="Espaço Reservado para Número de Slide 5">
             <a:extLst>
               <a:ext uri="{FF2B5EF4-FFF2-40B4-BE49-F238E27FC236}">
-                <a16:creationId xmlns="" xmlns:a16="http://schemas.microsoft.com/office/drawing/2014/main" id="{50BD655E-847E-424D-984B-C3C5429D60AF}"/>
+                <a16:creationId xmlns:a16="http://schemas.microsoft.com/office/drawing/2014/main" xmlns="" id="{50BD655E-847E-424D-984B-C3C5429D60AF}"/>
               </a:ext>
             </a:extLst>
           </p:cNvPr>
@@ -3492,7 +3494,7 @@
           <p:cNvPr id="5" name="Imagem 4">
             <a:extLst>
               <a:ext uri="{FF2B5EF4-FFF2-40B4-BE49-F238E27FC236}">
-                <a16:creationId xmlns="" xmlns:a16="http://schemas.microsoft.com/office/drawing/2014/main" id="{5DE311CA-B13E-435A-89BB-F3BE39204F6A}"/>
+                <a16:creationId xmlns:a16="http://schemas.microsoft.com/office/drawing/2014/main" xmlns="" id="{5DE311CA-B13E-435A-89BB-F3BE39204F6A}"/>
               </a:ext>
             </a:extLst>
           </p:cNvPr>
@@ -3528,7 +3530,7 @@
           <p:cNvPr id="2" name="Título 1">
             <a:extLst>
               <a:ext uri="{FF2B5EF4-FFF2-40B4-BE49-F238E27FC236}">
-                <a16:creationId xmlns="" xmlns:a16="http://schemas.microsoft.com/office/drawing/2014/main" id="{511E03D9-9FC3-48BF-B384-F864A3423B1B}"/>
+                <a16:creationId xmlns:a16="http://schemas.microsoft.com/office/drawing/2014/main" xmlns="" id="{511E03D9-9FC3-48BF-B384-F864A3423B1B}"/>
               </a:ext>
             </a:extLst>
           </p:cNvPr>
@@ -3590,7 +3592,7 @@
           <p:cNvPr id="3" name="Subtítulo 2">
             <a:extLst>
               <a:ext uri="{FF2B5EF4-FFF2-40B4-BE49-F238E27FC236}">
-                <a16:creationId xmlns="" xmlns:a16="http://schemas.microsoft.com/office/drawing/2014/main" id="{C5235C8F-E034-44A9-BE64-01D931398C68}"/>
+                <a16:creationId xmlns:a16="http://schemas.microsoft.com/office/drawing/2014/main" xmlns="" id="{C5235C8F-E034-44A9-BE64-01D931398C68}"/>
               </a:ext>
             </a:extLst>
           </p:cNvPr>
@@ -3672,7 +3674,7 @@
           <p:cNvPr id="6" name="Subtítulo 2">
             <a:extLst>
               <a:ext uri="{FF2B5EF4-FFF2-40B4-BE49-F238E27FC236}">
-                <a16:creationId xmlns="" xmlns:a16="http://schemas.microsoft.com/office/drawing/2014/main" id="{5101D3E4-A134-43B5-B41B-4599C6F9A1C6}"/>
+                <a16:creationId xmlns:a16="http://schemas.microsoft.com/office/drawing/2014/main" xmlns="" id="{5101D3E4-A134-43B5-B41B-4599C6F9A1C6}"/>
               </a:ext>
             </a:extLst>
           </p:cNvPr>
@@ -3886,6 +3888,160 @@
     <p:extLst>
       <p:ext uri="{BB962C8B-B14F-4D97-AF65-F5344CB8AC3E}">
         <p14:creationId xmlns:p14="http://schemas.microsoft.com/office/powerpoint/2010/main" val="568480323"/>
+      </p:ext>
+    </p:extLst>
+  </p:cSld>
+  <p:clrMapOvr>
+    <a:masterClrMapping/>
+  </p:clrMapOvr>
+  <p:timing>
+    <p:tnLst>
+      <p:par>
+        <p:cTn id="1" dur="indefinite" restart="never" nodeType="tmRoot"/>
+      </p:par>
+    </p:tnLst>
+  </p:timing>
+</p:sld>
+</file>
+
+<file path=ppt/slides/slide10.xml><?xml version="1.0" encoding="utf-8"?>
+<p:sld xmlns:a="http://schemas.openxmlformats.org/drawingml/2006/main" xmlns:r="http://schemas.openxmlformats.org/officeDocument/2006/relationships" xmlns:p="http://schemas.openxmlformats.org/presentationml/2006/main">
+  <p:cSld>
+    <p:spTree>
+      <p:nvGrpSpPr>
+        <p:cNvPr id="1" name=""/>
+        <p:cNvGrpSpPr/>
+        <p:nvPr/>
+      </p:nvGrpSpPr>
+      <p:grpSpPr>
+        <a:xfrm>
+          <a:off x="0" y="0"/>
+          <a:ext cx="0" cy="0"/>
+          <a:chOff x="0" y="0"/>
+          <a:chExt cx="0" cy="0"/>
+        </a:xfrm>
+      </p:grpSpPr>
+    </p:spTree>
+    <p:extLst>
+      <p:ext uri="{BB962C8B-B14F-4D97-AF65-F5344CB8AC3E}">
+        <p14:creationId xmlns:p14="http://schemas.microsoft.com/office/powerpoint/2010/main" val="1180924490"/>
+      </p:ext>
+    </p:extLst>
+  </p:cSld>
+  <p:clrMapOvr>
+    <a:masterClrMapping/>
+  </p:clrMapOvr>
+  <p:timing>
+    <p:tnLst>
+      <p:par>
+        <p:cTn id="1" dur="indefinite" restart="never" nodeType="tmRoot"/>
+      </p:par>
+    </p:tnLst>
+  </p:timing>
+</p:sld>
+</file>
+
+<file path=ppt/slides/slide11.xml><?xml version="1.0" encoding="utf-8"?>
+<p:sld xmlns:a="http://schemas.openxmlformats.org/drawingml/2006/main" xmlns:r="http://schemas.openxmlformats.org/officeDocument/2006/relationships" xmlns:p="http://schemas.openxmlformats.org/presentationml/2006/main">
+  <p:cSld>
+    <p:bg>
+      <p:bgPr>
+        <a:blipFill dpi="0" rotWithShape="1">
+          <a:blip r:embed="rId2">
+            <a:lum/>
+          </a:blip>
+          <a:srcRect/>
+          <a:stretch>
+            <a:fillRect l="-469000" r="-469000"/>
+          </a:stretch>
+        </a:blipFill>
+        <a:effectLst/>
+      </p:bgPr>
+    </p:bg>
+    <p:spTree>
+      <p:nvGrpSpPr>
+        <p:cNvPr id="1" name=""/>
+        <p:cNvGrpSpPr/>
+        <p:nvPr/>
+      </p:nvGrpSpPr>
+      <p:grpSpPr>
+        <a:xfrm>
+          <a:off x="0" y="0"/>
+          <a:ext cx="0" cy="0"/>
+          <a:chOff x="0" y="0"/>
+          <a:chExt cx="0" cy="0"/>
+        </a:xfrm>
+      </p:grpSpPr>
+      <p:sp>
+        <p:nvSpPr>
+          <p:cNvPr id="2" name="Título 1">
+            <a:extLst>
+              <a:ext uri="{FF2B5EF4-FFF2-40B4-BE49-F238E27FC236}">
+                <a16:creationId xmlns:a16="http://schemas.microsoft.com/office/drawing/2014/main" xmlns="" id="{ACA4ECFE-DEE0-46DF-B574-CE170B14C9C7}"/>
+              </a:ext>
+            </a:extLst>
+          </p:cNvPr>
+          <p:cNvSpPr>
+            <a:spLocks noGrp="1"/>
+          </p:cNvSpPr>
+          <p:nvPr>
+            <p:ph type="title"/>
+          </p:nvPr>
+        </p:nvSpPr>
+        <p:spPr/>
+        <p:txBody>
+          <a:bodyPr/>
+          <a:lstStyle/>
+          <a:p>
+            <a:r>
+              <a:rPr lang="pt-BR" dirty="0" smtClean="0"/>
+              <a:t>Referência</a:t>
+            </a:r>
+            <a:endParaRPr lang="pt-BR" dirty="0"/>
+          </a:p>
+        </p:txBody>
+      </p:sp>
+      <p:sp>
+        <p:nvSpPr>
+          <p:cNvPr id="3" name="Espaço Reservado para Conteúdo 2">
+            <a:extLst>
+              <a:ext uri="{FF2B5EF4-FFF2-40B4-BE49-F238E27FC236}">
+                <a16:creationId xmlns:a16="http://schemas.microsoft.com/office/drawing/2014/main" xmlns="" id="{2E9FBCDA-AE4B-4E18-BDD9-4BA37FAD5770}"/>
+              </a:ext>
+            </a:extLst>
+          </p:cNvPr>
+          <p:cNvSpPr>
+            <a:spLocks noGrp="1"/>
+          </p:cNvSpPr>
+          <p:nvPr>
+            <p:ph idx="1"/>
+          </p:nvPr>
+        </p:nvSpPr>
+        <p:spPr/>
+        <p:txBody>
+          <a:bodyPr/>
+          <a:lstStyle/>
+          <a:p>
+            <a:r>
+              <a:rPr lang="pt-BR" dirty="0"/>
+              <a:t>COELHO, Suzana Maria; NUNES, António Dias; SÉRÉ, Marie-</a:t>
+            </a:r>
+            <a:r>
+              <a:rPr lang="pt-BR" dirty="0" err="1"/>
+              <a:t>Geneviève</a:t>
+            </a:r>
+            <a:r>
+              <a:rPr lang="pt-BR" dirty="0"/>
+              <a:t>. O Papel da Experimentação no Ensino da Física. Caderno Brasileiro de Ensino de Física. Santa Catarina, v.20, n.1, p. 30-42, 2003. Disponível em: https://periodicos.ufsc.br/index.php/fisica/article/view/6560/6046. Acesso em: 29 mai. 2020.</a:t>
+            </a:r>
+            <a:endParaRPr lang="pt-BR" dirty="0"/>
+          </a:p>
+        </p:txBody>
+      </p:sp>
+    </p:spTree>
+    <p:extLst>
+      <p:ext uri="{BB962C8B-B14F-4D97-AF65-F5344CB8AC3E}">
+        <p14:creationId xmlns:p14="http://schemas.microsoft.com/office/powerpoint/2010/main" val="3644440022"/>
       </p:ext>
     </p:extLst>
   </p:cSld>
@@ -3938,7 +4094,7 @@
           <p:cNvPr id="2" name="Título 1">
             <a:extLst>
               <a:ext uri="{FF2B5EF4-FFF2-40B4-BE49-F238E27FC236}">
-                <a16:creationId xmlns="" xmlns:a16="http://schemas.microsoft.com/office/drawing/2014/main" id="{ACA4ECFE-DEE0-46DF-B574-CE170B14C9C7}"/>
+                <a16:creationId xmlns:a16="http://schemas.microsoft.com/office/drawing/2014/main" xmlns="" id="{ACA4ECFE-DEE0-46DF-B574-CE170B14C9C7}"/>
               </a:ext>
             </a:extLst>
           </p:cNvPr>
@@ -3967,7 +4123,7 @@
           <p:cNvPr id="3" name="Espaço Reservado para Conteúdo 2">
             <a:extLst>
               <a:ext uri="{FF2B5EF4-FFF2-40B4-BE49-F238E27FC236}">
-                <a16:creationId xmlns="" xmlns:a16="http://schemas.microsoft.com/office/drawing/2014/main" id="{2E9FBCDA-AE4B-4E18-BDD9-4BA37FAD5770}"/>
+                <a16:creationId xmlns:a16="http://schemas.microsoft.com/office/drawing/2014/main" xmlns="" id="{2E9FBCDA-AE4B-4E18-BDD9-4BA37FAD5770}"/>
               </a:ext>
             </a:extLst>
           </p:cNvPr>
@@ -3984,17 +4140,20 @@
           <a:lstStyle/>
           <a:p>
             <a:r>
+              <a:rPr lang="pt-BR" dirty="0"/>
+              <a:t>Aperfeiçoar e desenvolver o protótipo já </a:t>
+            </a:r>
+            <a:r>
               <a:rPr lang="pt-BR" dirty="0" smtClean="0"/>
-              <a:t>Atualizar e testar o protótipo aperfeiçoado</a:t>
-            </a:r>
-          </a:p>
-          <a:p>
-            <a:endParaRPr lang="pt-BR" dirty="0"/>
-          </a:p>
-          <a:p>
+              <a:t>testado e </a:t>
+            </a:r>
+            <a:r>
+              <a:rPr lang="pt-BR" dirty="0"/>
+              <a:t>desenvolvido </a:t>
+            </a:r>
             <a:r>
               <a:rPr lang="pt-BR" dirty="0" smtClean="0"/>
-              <a:t>Tornar o aprendizado de física mais agradável</a:t>
+              <a:t>anteriormente</a:t>
             </a:r>
             <a:endParaRPr lang="pt-BR" dirty="0"/>
           </a:p>
@@ -4031,6 +4190,20 @@
 <file path=ppt/slides/slide3.xml><?xml version="1.0" encoding="utf-8"?>
 <p:sld xmlns:a="http://schemas.openxmlformats.org/drawingml/2006/main" xmlns:r="http://schemas.openxmlformats.org/officeDocument/2006/relationships" xmlns:p="http://schemas.openxmlformats.org/presentationml/2006/main">
   <p:cSld>
+    <p:bg>
+      <p:bgPr>
+        <a:blipFill dpi="0" rotWithShape="1">
+          <a:blip r:embed="rId2">
+            <a:lum/>
+          </a:blip>
+          <a:srcRect/>
+          <a:stretch>
+            <a:fillRect l="-469000" r="-469000"/>
+          </a:stretch>
+        </a:blipFill>
+        <a:effectLst/>
+      </p:bgPr>
+    </p:bg>
     <p:spTree>
       <p:nvGrpSpPr>
         <p:cNvPr id="1" name=""/>
@@ -4047,7 +4220,13 @@
       </p:grpSpPr>
       <p:sp>
         <p:nvSpPr>
-          <p:cNvPr id="2" name="Título 1"/>
+          <p:cNvPr id="2" name="Título 1">
+            <a:extLst>
+              <a:ext uri="{FF2B5EF4-FFF2-40B4-BE49-F238E27FC236}">
+                <a16:creationId xmlns:a16="http://schemas.microsoft.com/office/drawing/2014/main" xmlns="" id="{ACA4ECFE-DEE0-46DF-B574-CE170B14C9C7}"/>
+              </a:ext>
+            </a:extLst>
+          </p:cNvPr>
           <p:cNvSpPr>
             <a:spLocks noGrp="1"/>
           </p:cNvSpPr>
@@ -4055,20 +4234,52 @@
             <p:ph type="title"/>
           </p:nvPr>
         </p:nvSpPr>
-        <p:spPr>
-          <a:xfrm>
-            <a:off x="772085" y="2994674"/>
-            <a:ext cx="7886700" cy="868653"/>
-          </a:xfrm>
-        </p:spPr>
-        <p:txBody>
-          <a:bodyPr/>
-          <a:lstStyle/>
-          <a:p>
-            <a:pPr algn="ctr"/>
+        <p:spPr/>
+        <p:txBody>
+          <a:bodyPr/>
+          <a:lstStyle/>
+          <a:p>
             <a:r>
               <a:rPr lang="pt-BR" dirty="0" smtClean="0"/>
-              <a:t>Relevância e Objetivo do Projeto</a:t>
+              <a:t>Objetivos Específicos</a:t>
+            </a:r>
+            <a:endParaRPr lang="pt-BR" dirty="0"/>
+          </a:p>
+        </p:txBody>
+      </p:sp>
+      <p:sp>
+        <p:nvSpPr>
+          <p:cNvPr id="3" name="Espaço Reservado para Conteúdo 2">
+            <a:extLst>
+              <a:ext uri="{FF2B5EF4-FFF2-40B4-BE49-F238E27FC236}">
+                <a16:creationId xmlns:a16="http://schemas.microsoft.com/office/drawing/2014/main" xmlns="" id="{2E9FBCDA-AE4B-4E18-BDD9-4BA37FAD5770}"/>
+              </a:ext>
+            </a:extLst>
+          </p:cNvPr>
+          <p:cNvSpPr>
+            <a:spLocks noGrp="1"/>
+          </p:cNvSpPr>
+          <p:nvPr>
+            <p:ph idx="1"/>
+          </p:nvPr>
+        </p:nvSpPr>
+        <p:spPr/>
+        <p:txBody>
+          <a:bodyPr/>
+          <a:lstStyle/>
+          <a:p>
+            <a:r>
+              <a:rPr lang="pt-BR" dirty="0" smtClean="0"/>
+              <a:t>Atualizar e testar o protótipo aperfeiçoado</a:t>
+            </a:r>
+          </a:p>
+          <a:p>
+            <a:endParaRPr lang="pt-BR" dirty="0"/>
+          </a:p>
+          <a:p>
+            <a:r>
+              <a:rPr lang="pt-BR" dirty="0" smtClean="0"/>
+              <a:t>Tornar o aprendizado de física mais agradável</a:t>
             </a:r>
             <a:endParaRPr lang="pt-BR" dirty="0"/>
           </a:p>
@@ -4077,13 +4288,28 @@
     </p:spTree>
     <p:extLst>
       <p:ext uri="{BB962C8B-B14F-4D97-AF65-F5344CB8AC3E}">
-        <p14:creationId xmlns:p14="http://schemas.microsoft.com/office/powerpoint/2010/main" val="927174100"/>
+        <p14:creationId xmlns:p14="http://schemas.microsoft.com/office/powerpoint/2010/main" val="3603612481"/>
       </p:ext>
     </p:extLst>
   </p:cSld>
   <p:clrMapOvr>
     <a:masterClrMapping/>
   </p:clrMapOvr>
+  <mc:AlternateContent xmlns:mc="http://schemas.openxmlformats.org/markup-compatibility/2006">
+    <mc:Choice xmlns:p14="http://schemas.microsoft.com/office/powerpoint/2010/main" Requires="p14">
+      <p:transition spd="slow" p14:dur="2000"/>
+    </mc:Choice>
+    <mc:Fallback>
+      <p:transition spd="slow"/>
+    </mc:Fallback>
+  </mc:AlternateContent>
+  <p:timing>
+    <p:tnLst>
+      <p:par>
+        <p:cTn id="1" dur="indefinite" restart="never" nodeType="tmRoot"/>
+      </p:par>
+    </p:tnLst>
+  </p:timing>
 </p:sld>
 </file>
 
@@ -4123,7 +4349,7 @@
           <p:cNvPr id="2" name="Título 1">
             <a:extLst>
               <a:ext uri="{FF2B5EF4-FFF2-40B4-BE49-F238E27FC236}">
-                <a16:creationId xmlns="" xmlns:a16="http://schemas.microsoft.com/office/drawing/2014/main" id="{ACA4ECFE-DEE0-46DF-B574-CE170B14C9C7}"/>
+                <a16:creationId xmlns:a16="http://schemas.microsoft.com/office/drawing/2014/main" xmlns="" id="{ACA4ECFE-DEE0-46DF-B574-CE170B14C9C7}"/>
               </a:ext>
             </a:extLst>
           </p:cNvPr>
@@ -4141,7 +4367,7 @@
           <a:p>
             <a:r>
               <a:rPr lang="pt-BR" dirty="0" smtClean="0"/>
-              <a:t>Metodologia</a:t>
+              <a:t>Relevância e Objetivo do Projeto</a:t>
             </a:r>
             <a:endParaRPr lang="pt-BR" dirty="0"/>
           </a:p>
@@ -4152,7 +4378,7 @@
           <p:cNvPr id="3" name="Espaço Reservado para Conteúdo 2">
             <a:extLst>
               <a:ext uri="{FF2B5EF4-FFF2-40B4-BE49-F238E27FC236}">
-                <a16:creationId xmlns="" xmlns:a16="http://schemas.microsoft.com/office/drawing/2014/main" id="{2E9FBCDA-AE4B-4E18-BDD9-4BA37FAD5770}"/>
+                <a16:creationId xmlns:a16="http://schemas.microsoft.com/office/drawing/2014/main" xmlns="" id="{2E9FBCDA-AE4B-4E18-BDD9-4BA37FAD5770}"/>
               </a:ext>
             </a:extLst>
           </p:cNvPr>
@@ -4165,24 +4391,14 @@
         </p:nvSpPr>
         <p:spPr/>
         <p:txBody>
-          <a:bodyPr/>
-          <a:lstStyle/>
-          <a:p>
-            <a:r>
-              <a:rPr lang="pt-BR" dirty="0" smtClean="0"/>
-              <a:t>Placas de Circuito Impresso</a:t>
-            </a:r>
-          </a:p>
-          <a:p>
-            <a:pPr marL="0" indent="0">
-              <a:buNone/>
-            </a:pPr>
-            <a:endParaRPr lang="pt-BR" dirty="0"/>
-          </a:p>
-          <a:p>
-            <a:r>
-              <a:rPr lang="pt-BR" dirty="0" smtClean="0"/>
-              <a:t>PIC12F675</a:t>
+          <a:bodyPr>
+            <a:normAutofit/>
+          </a:bodyPr>
+          <a:lstStyle/>
+          <a:p>
+            <a:r>
+              <a:rPr lang="pt-BR" dirty="0"/>
+              <a:t>Atividades práticas tem o poder de dar aos alunos um conhecimento único a respeito da importância do aprendizado de física e de suas aplicações no dia a dia. (COELHO; NUNES; SÉRÉ, 2003)</a:t>
             </a:r>
             <a:endParaRPr lang="pt-BR" dirty="0"/>
           </a:p>
@@ -4191,13 +4407,21 @@
     </p:spTree>
     <p:extLst>
       <p:ext uri="{BB962C8B-B14F-4D97-AF65-F5344CB8AC3E}">
-        <p14:creationId xmlns:p14="http://schemas.microsoft.com/office/powerpoint/2010/main" val="2571128918"/>
+        <p14:creationId xmlns:p14="http://schemas.microsoft.com/office/powerpoint/2010/main" val="70632970"/>
       </p:ext>
     </p:extLst>
   </p:cSld>
   <p:clrMapOvr>
     <a:masterClrMapping/>
   </p:clrMapOvr>
+  <mc:AlternateContent xmlns:mc="http://schemas.openxmlformats.org/markup-compatibility/2006">
+    <mc:Choice xmlns:p14="http://schemas.microsoft.com/office/powerpoint/2010/main" Requires="p14">
+      <p:transition spd="slow" p14:dur="2000"/>
+    </mc:Choice>
+    <mc:Fallback>
+      <p:transition spd="slow"/>
+    </mc:Fallback>
+  </mc:AlternateContent>
   <p:timing>
     <p:tnLst>
       <p:par>
@@ -4244,7 +4468,7 @@
           <p:cNvPr id="2" name="Título 1">
             <a:extLst>
               <a:ext uri="{FF2B5EF4-FFF2-40B4-BE49-F238E27FC236}">
-                <a16:creationId xmlns="" xmlns:a16="http://schemas.microsoft.com/office/drawing/2014/main" id="{ACA4ECFE-DEE0-46DF-B574-CE170B14C9C7}"/>
+                <a16:creationId xmlns:a16="http://schemas.microsoft.com/office/drawing/2014/main" xmlns="" id="{ACA4ECFE-DEE0-46DF-B574-CE170B14C9C7}"/>
               </a:ext>
             </a:extLst>
           </p:cNvPr>
@@ -4262,45 +4486,57 @@
           <a:p>
             <a:r>
               <a:rPr lang="pt-BR" dirty="0" smtClean="0"/>
-              <a:t>Cronograma</a:t>
+              <a:t>Metodologia</a:t>
             </a:r>
             <a:endParaRPr lang="pt-BR" dirty="0"/>
           </a:p>
         </p:txBody>
       </p:sp>
-      <p:pic>
-        <p:nvPicPr>
-          <p:cNvPr id="4" name="Espaço Reservado para Conteúdo 3"/>
-          <p:cNvPicPr>
-            <a:picLocks noGrp="1" noChangeAspect="1"/>
-          </p:cNvPicPr>
+      <p:sp>
+        <p:nvSpPr>
+          <p:cNvPr id="3" name="Espaço Reservado para Conteúdo 2">
+            <a:extLst>
+              <a:ext uri="{FF2B5EF4-FFF2-40B4-BE49-F238E27FC236}">
+                <a16:creationId xmlns:a16="http://schemas.microsoft.com/office/drawing/2014/main" xmlns="" id="{2E9FBCDA-AE4B-4E18-BDD9-4BA37FAD5770}"/>
+              </a:ext>
+            </a:extLst>
+          </p:cNvPr>
+          <p:cNvSpPr>
+            <a:spLocks noGrp="1"/>
+          </p:cNvSpPr>
           <p:nvPr>
             <p:ph idx="1"/>
           </p:nvPr>
-        </p:nvPicPr>
-        <p:blipFill>
-          <a:blip r:embed="rId3">
-            <a:extLst>
-              <a:ext uri="{28A0092B-C50C-407E-A947-70E740481C1C}">
-                <a14:useLocalDpi xmlns:a14="http://schemas.microsoft.com/office/drawing/2010/main" val="0"/>
-              </a:ext>
-            </a:extLst>
-          </a:blip>
-          <a:stretch>
-            <a:fillRect/>
-          </a:stretch>
-        </p:blipFill>
-        <p:spPr>
-          <a:xfrm>
-            <a:off x="2037319" y="1776857"/>
-            <a:ext cx="5069362" cy="4351338"/>
-          </a:xfrm>
-        </p:spPr>
-      </p:pic>
+        </p:nvSpPr>
+        <p:spPr/>
+        <p:txBody>
+          <a:bodyPr/>
+          <a:lstStyle/>
+          <a:p>
+            <a:r>
+              <a:rPr lang="pt-BR" dirty="0" smtClean="0"/>
+              <a:t>Placas de Circuito Impresso</a:t>
+            </a:r>
+          </a:p>
+          <a:p>
+            <a:pPr marL="0" indent="0">
+              <a:buNone/>
+            </a:pPr>
+            <a:endParaRPr lang="pt-BR" dirty="0"/>
+          </a:p>
+          <a:p>
+            <a:r>
+              <a:rPr lang="pt-BR" dirty="0" smtClean="0"/>
+              <a:t>PIC12F675</a:t>
+            </a:r>
+            <a:endParaRPr lang="pt-BR" dirty="0"/>
+          </a:p>
+        </p:txBody>
+      </p:sp>
     </p:spTree>
     <p:extLst>
       <p:ext uri="{BB962C8B-B14F-4D97-AF65-F5344CB8AC3E}">
-        <p14:creationId xmlns:p14="http://schemas.microsoft.com/office/powerpoint/2010/main" val="1452297609"/>
+        <p14:creationId xmlns:p14="http://schemas.microsoft.com/office/powerpoint/2010/main" val="2571128918"/>
       </p:ext>
     </p:extLst>
   </p:cSld>
@@ -4353,7 +4589,7 @@
           <p:cNvPr id="2" name="Título 1">
             <a:extLst>
               <a:ext uri="{FF2B5EF4-FFF2-40B4-BE49-F238E27FC236}">
-                <a16:creationId xmlns="" xmlns:a16="http://schemas.microsoft.com/office/drawing/2014/main" id="{ACA4ECFE-DEE0-46DF-B574-CE170B14C9C7}"/>
+                <a16:creationId xmlns:a16="http://schemas.microsoft.com/office/drawing/2014/main" xmlns="" id="{ACA4ECFE-DEE0-46DF-B574-CE170B14C9C7}"/>
               </a:ext>
             </a:extLst>
           </p:cNvPr>
@@ -4371,36 +4607,7 @@
           <a:p>
             <a:r>
               <a:rPr lang="pt-BR" dirty="0" smtClean="0"/>
-              <a:t>Resultados</a:t>
-            </a:r>
-            <a:endParaRPr lang="pt-BR" dirty="0"/>
-          </a:p>
-        </p:txBody>
-      </p:sp>
-      <p:sp>
-        <p:nvSpPr>
-          <p:cNvPr id="3" name="Espaço Reservado para Conteúdo 2">
-            <a:extLst>
-              <a:ext uri="{FF2B5EF4-FFF2-40B4-BE49-F238E27FC236}">
-                <a16:creationId xmlns="" xmlns:a16="http://schemas.microsoft.com/office/drawing/2014/main" id="{2E9FBCDA-AE4B-4E18-BDD9-4BA37FAD5770}"/>
-              </a:ext>
-            </a:extLst>
-          </p:cNvPr>
-          <p:cNvSpPr>
-            <a:spLocks noGrp="1"/>
-          </p:cNvSpPr>
-          <p:nvPr>
-            <p:ph idx="1"/>
-          </p:nvPr>
-        </p:nvSpPr>
-        <p:spPr/>
-        <p:txBody>
-          <a:bodyPr/>
-          <a:lstStyle/>
-          <a:p>
-            <a:r>
-              <a:rPr lang="pt-BR" dirty="0" smtClean="0"/>
-              <a:t>Novos Circuitos</a:t>
+              <a:t>Cronograma</a:t>
             </a:r>
             <a:endParaRPr lang="pt-BR" dirty="0"/>
           </a:p>
@@ -4408,11 +4615,13 @@
       </p:sp>
       <p:pic>
         <p:nvPicPr>
-          <p:cNvPr id="4" name="Imagem 3"/>
+          <p:cNvPr id="4" name="Espaço Reservado para Conteúdo 3"/>
           <p:cNvPicPr>
-            <a:picLocks noChangeAspect="1"/>
+            <a:picLocks noGrp="1" noChangeAspect="1"/>
           </p:cNvPicPr>
-          <p:nvPr/>
+          <p:nvPr>
+            <p:ph idx="1"/>
+          </p:nvPr>
         </p:nvPicPr>
         <p:blipFill>
           <a:blip r:embed="rId3">
@@ -4428,18 +4637,15 @@
         </p:blipFill>
         <p:spPr>
           <a:xfrm>
-            <a:off x="1225296" y="2146627"/>
-            <a:ext cx="6693408" cy="3709333"/>
+            <a:off x="2037319" y="1776857"/>
+            <a:ext cx="5069362" cy="4351338"/>
           </a:xfrm>
-          <a:prstGeom prst="rect">
-            <a:avLst/>
-          </a:prstGeom>
         </p:spPr>
       </p:pic>
     </p:spTree>
     <p:extLst>
       <p:ext uri="{BB962C8B-B14F-4D97-AF65-F5344CB8AC3E}">
-        <p14:creationId xmlns:p14="http://schemas.microsoft.com/office/powerpoint/2010/main" val="2717762899"/>
+        <p14:creationId xmlns:p14="http://schemas.microsoft.com/office/powerpoint/2010/main" val="1452297609"/>
       </p:ext>
     </p:extLst>
   </p:cSld>
@@ -4492,7 +4698,7 @@
           <p:cNvPr id="2" name="Título 1">
             <a:extLst>
               <a:ext uri="{FF2B5EF4-FFF2-40B4-BE49-F238E27FC236}">
-                <a16:creationId xmlns="" xmlns:a16="http://schemas.microsoft.com/office/drawing/2014/main" id="{ACA4ECFE-DEE0-46DF-B574-CE170B14C9C7}"/>
+                <a16:creationId xmlns:a16="http://schemas.microsoft.com/office/drawing/2014/main" xmlns="" id="{ACA4ECFE-DEE0-46DF-B574-CE170B14C9C7}"/>
               </a:ext>
             </a:extLst>
           </p:cNvPr>
@@ -4521,7 +4727,7 @@
           <p:cNvPr id="3" name="Espaço Reservado para Conteúdo 2">
             <a:extLst>
               <a:ext uri="{FF2B5EF4-FFF2-40B4-BE49-F238E27FC236}">
-                <a16:creationId xmlns="" xmlns:a16="http://schemas.microsoft.com/office/drawing/2014/main" id="{2E9FBCDA-AE4B-4E18-BDD9-4BA37FAD5770}"/>
+                <a16:creationId xmlns:a16="http://schemas.microsoft.com/office/drawing/2014/main" xmlns="" id="{2E9FBCDA-AE4B-4E18-BDD9-4BA37FAD5770}"/>
               </a:ext>
             </a:extLst>
           </p:cNvPr>
@@ -4547,7 +4753,7 @@
       </p:sp>
       <p:pic>
         <p:nvPicPr>
-          <p:cNvPr id="5" name="Imagem 4"/>
+          <p:cNvPr id="4" name="Imagem 3"/>
           <p:cNvPicPr>
             <a:picLocks noChangeAspect="1"/>
           </p:cNvPicPr>
@@ -4567,8 +4773,8 @@
         </p:blipFill>
         <p:spPr>
           <a:xfrm>
-            <a:off x="1186053" y="2132229"/>
-            <a:ext cx="6771894" cy="3738130"/>
+            <a:off x="1225296" y="2146627"/>
+            <a:ext cx="6693408" cy="3709333"/>
           </a:xfrm>
           <a:prstGeom prst="rect">
             <a:avLst/>
@@ -4578,7 +4784,7 @@
     </p:spTree>
     <p:extLst>
       <p:ext uri="{BB962C8B-B14F-4D97-AF65-F5344CB8AC3E}">
-        <p14:creationId xmlns:p14="http://schemas.microsoft.com/office/powerpoint/2010/main" val="2092294201"/>
+        <p14:creationId xmlns:p14="http://schemas.microsoft.com/office/powerpoint/2010/main" val="2717762899"/>
       </p:ext>
     </p:extLst>
   </p:cSld>
@@ -4631,7 +4837,7 @@
           <p:cNvPr id="2" name="Título 1">
             <a:extLst>
               <a:ext uri="{FF2B5EF4-FFF2-40B4-BE49-F238E27FC236}">
-                <a16:creationId xmlns="" xmlns:a16="http://schemas.microsoft.com/office/drawing/2014/main" id="{ACA4ECFE-DEE0-46DF-B574-CE170B14C9C7}"/>
+                <a16:creationId xmlns:a16="http://schemas.microsoft.com/office/drawing/2014/main" xmlns="" id="{ACA4ECFE-DEE0-46DF-B574-CE170B14C9C7}"/>
               </a:ext>
             </a:extLst>
           </p:cNvPr>
@@ -4660,7 +4866,146 @@
           <p:cNvPr id="3" name="Espaço Reservado para Conteúdo 2">
             <a:extLst>
               <a:ext uri="{FF2B5EF4-FFF2-40B4-BE49-F238E27FC236}">
-                <a16:creationId xmlns="" xmlns:a16="http://schemas.microsoft.com/office/drawing/2014/main" id="{2E9FBCDA-AE4B-4E18-BDD9-4BA37FAD5770}"/>
+                <a16:creationId xmlns:a16="http://schemas.microsoft.com/office/drawing/2014/main" xmlns="" id="{2E9FBCDA-AE4B-4E18-BDD9-4BA37FAD5770}"/>
+              </a:ext>
+            </a:extLst>
+          </p:cNvPr>
+          <p:cNvSpPr>
+            <a:spLocks noGrp="1"/>
+          </p:cNvSpPr>
+          <p:nvPr>
+            <p:ph idx="1"/>
+          </p:nvPr>
+        </p:nvSpPr>
+        <p:spPr/>
+        <p:txBody>
+          <a:bodyPr/>
+          <a:lstStyle/>
+          <a:p>
+            <a:r>
+              <a:rPr lang="pt-BR" dirty="0" smtClean="0"/>
+              <a:t>Novos Circuitos</a:t>
+            </a:r>
+            <a:endParaRPr lang="pt-BR" dirty="0"/>
+          </a:p>
+        </p:txBody>
+      </p:sp>
+      <p:pic>
+        <p:nvPicPr>
+          <p:cNvPr id="5" name="Imagem 4"/>
+          <p:cNvPicPr>
+            <a:picLocks noChangeAspect="1"/>
+          </p:cNvPicPr>
+          <p:nvPr/>
+        </p:nvPicPr>
+        <p:blipFill>
+          <a:blip r:embed="rId3">
+            <a:extLst>
+              <a:ext uri="{28A0092B-C50C-407E-A947-70E740481C1C}">
+                <a14:useLocalDpi xmlns:a14="http://schemas.microsoft.com/office/drawing/2010/main" val="0"/>
+              </a:ext>
+            </a:extLst>
+          </a:blip>
+          <a:stretch>
+            <a:fillRect/>
+          </a:stretch>
+        </p:blipFill>
+        <p:spPr>
+          <a:xfrm>
+            <a:off x="1186053" y="2132229"/>
+            <a:ext cx="6771894" cy="3738130"/>
+          </a:xfrm>
+          <a:prstGeom prst="rect">
+            <a:avLst/>
+          </a:prstGeom>
+        </p:spPr>
+      </p:pic>
+    </p:spTree>
+    <p:extLst>
+      <p:ext uri="{BB962C8B-B14F-4D97-AF65-F5344CB8AC3E}">
+        <p14:creationId xmlns:p14="http://schemas.microsoft.com/office/powerpoint/2010/main" val="2092294201"/>
+      </p:ext>
+    </p:extLst>
+  </p:cSld>
+  <p:clrMapOvr>
+    <a:masterClrMapping/>
+  </p:clrMapOvr>
+  <p:timing>
+    <p:tnLst>
+      <p:par>
+        <p:cTn id="1" dur="indefinite" restart="never" nodeType="tmRoot"/>
+      </p:par>
+    </p:tnLst>
+  </p:timing>
+</p:sld>
+</file>
+
+<file path=ppt/slides/slide9.xml><?xml version="1.0" encoding="utf-8"?>
+<p:sld xmlns:a="http://schemas.openxmlformats.org/drawingml/2006/main" xmlns:r="http://schemas.openxmlformats.org/officeDocument/2006/relationships" xmlns:p="http://schemas.openxmlformats.org/presentationml/2006/main">
+  <p:cSld>
+    <p:bg>
+      <p:bgPr>
+        <a:blipFill dpi="0" rotWithShape="1">
+          <a:blip r:embed="rId2">
+            <a:lum/>
+          </a:blip>
+          <a:srcRect/>
+          <a:stretch>
+            <a:fillRect l="-469000" r="-469000"/>
+          </a:stretch>
+        </a:blipFill>
+        <a:effectLst/>
+      </p:bgPr>
+    </p:bg>
+    <p:spTree>
+      <p:nvGrpSpPr>
+        <p:cNvPr id="1" name=""/>
+        <p:cNvGrpSpPr/>
+        <p:nvPr/>
+      </p:nvGrpSpPr>
+      <p:grpSpPr>
+        <a:xfrm>
+          <a:off x="0" y="0"/>
+          <a:ext cx="0" cy="0"/>
+          <a:chOff x="0" y="0"/>
+          <a:chExt cx="0" cy="0"/>
+        </a:xfrm>
+      </p:grpSpPr>
+      <p:sp>
+        <p:nvSpPr>
+          <p:cNvPr id="2" name="Título 1">
+            <a:extLst>
+              <a:ext uri="{FF2B5EF4-FFF2-40B4-BE49-F238E27FC236}">
+                <a16:creationId xmlns:a16="http://schemas.microsoft.com/office/drawing/2014/main" xmlns="" id="{ACA4ECFE-DEE0-46DF-B574-CE170B14C9C7}"/>
+              </a:ext>
+            </a:extLst>
+          </p:cNvPr>
+          <p:cNvSpPr>
+            <a:spLocks noGrp="1"/>
+          </p:cNvSpPr>
+          <p:nvPr>
+            <p:ph type="title"/>
+          </p:nvPr>
+        </p:nvSpPr>
+        <p:spPr/>
+        <p:txBody>
+          <a:bodyPr/>
+          <a:lstStyle/>
+          <a:p>
+            <a:r>
+              <a:rPr lang="pt-BR" dirty="0" smtClean="0"/>
+              <a:t>Resultados</a:t>
+            </a:r>
+            <a:endParaRPr lang="pt-BR" dirty="0"/>
+          </a:p>
+        </p:txBody>
+      </p:sp>
+      <p:sp>
+        <p:nvSpPr>
+          <p:cNvPr id="3" name="Espaço Reservado para Conteúdo 2">
+            <a:extLst>
+              <a:ext uri="{FF2B5EF4-FFF2-40B4-BE49-F238E27FC236}">
+                <a16:creationId xmlns:a16="http://schemas.microsoft.com/office/drawing/2014/main" xmlns="" id="{2E9FBCDA-AE4B-4E18-BDD9-4BA37FAD5770}"/>
               </a:ext>
             </a:extLst>
           </p:cNvPr>
@@ -4718,43 +5063,6 @@
     <p:extLst>
       <p:ext uri="{BB962C8B-B14F-4D97-AF65-F5344CB8AC3E}">
         <p14:creationId xmlns:p14="http://schemas.microsoft.com/office/powerpoint/2010/main" val="1511710312"/>
-      </p:ext>
-    </p:extLst>
-  </p:cSld>
-  <p:clrMapOvr>
-    <a:masterClrMapping/>
-  </p:clrMapOvr>
-  <p:timing>
-    <p:tnLst>
-      <p:par>
-        <p:cTn id="1" dur="indefinite" restart="never" nodeType="tmRoot"/>
-      </p:par>
-    </p:tnLst>
-  </p:timing>
-</p:sld>
-</file>
-
-<file path=ppt/slides/slide9.xml><?xml version="1.0" encoding="utf-8"?>
-<p:sld xmlns:a="http://schemas.openxmlformats.org/drawingml/2006/main" xmlns:r="http://schemas.openxmlformats.org/officeDocument/2006/relationships" xmlns:p="http://schemas.openxmlformats.org/presentationml/2006/main">
-  <p:cSld>
-    <p:spTree>
-      <p:nvGrpSpPr>
-        <p:cNvPr id="1" name=""/>
-        <p:cNvGrpSpPr/>
-        <p:nvPr/>
-      </p:nvGrpSpPr>
-      <p:grpSpPr>
-        <a:xfrm>
-          <a:off x="0" y="0"/>
-          <a:ext cx="0" cy="0"/>
-          <a:chOff x="0" y="0"/>
-          <a:chExt cx="0" cy="0"/>
-        </a:xfrm>
-      </p:grpSpPr>
-    </p:spTree>
-    <p:extLst>
-      <p:ext uri="{BB962C8B-B14F-4D97-AF65-F5344CB8AC3E}">
-        <p14:creationId xmlns:p14="http://schemas.microsoft.com/office/powerpoint/2010/main" val="1180924490"/>
       </p:ext>
     </p:extLst>
   </p:cSld>
